--- a/210113_React.pptx
+++ b/210113_React.pptx
@@ -5,10 +5,10 @@
     <p:sldMasterId id="2147483648" r:id="rId1"/>
   </p:sldMasterIdLst>
   <p:notesMasterIdLst>
-    <p:notesMasterId r:id="rId39"/>
+    <p:notesMasterId r:id="rId40"/>
   </p:notesMasterIdLst>
   <p:handoutMasterIdLst>
-    <p:handoutMasterId r:id="rId40"/>
+    <p:handoutMasterId r:id="rId41"/>
   </p:handoutMasterIdLst>
   <p:sldIdLst>
     <p:sldId id="256" r:id="rId2"/>
@@ -47,19 +47,24 @@
     <p:sldId id="386" r:id="rId35"/>
     <p:sldId id="388" r:id="rId36"/>
     <p:sldId id="389" r:id="rId37"/>
-    <p:sldId id="262" r:id="rId38"/>
+    <p:sldId id="390" r:id="rId38"/>
+    <p:sldId id="262" r:id="rId39"/>
   </p:sldIdLst>
   <p:sldSz cx="12192000" cy="6858000"/>
   <p:notesSz cx="6858000" cy="9144000"/>
   <p:embeddedFontLst>
     <p:embeddedFont>
+      <p:font typeface="Abadi" panose="020B0604020104020204" pitchFamily="34" charset="0"/>
+      <p:regular r:id="rId42"/>
+    </p:embeddedFont>
+    <p:embeddedFont>
       <p:font typeface="배달의민족 주아" panose="02020603020101020101" pitchFamily="18" charset="-127"/>
-      <p:regular r:id="rId41"/>
+      <p:regular r:id="rId43"/>
     </p:embeddedFont>
     <p:embeddedFont>
       <p:font typeface="빙그레 메로나체" panose="020B0503000000000000" pitchFamily="50" charset="-127"/>
-      <p:regular r:id="rId42"/>
-      <p:bold r:id="rId43"/>
+      <p:regular r:id="rId44"/>
+      <p:bold r:id="rId45"/>
     </p:embeddedFont>
   </p:embeddedFontLst>
   <p:defaultTextStyle>
@@ -265,7 +270,7 @@
                 <a:latin typeface="빙그레 메로나체" panose="020B0503000000000000" pitchFamily="50" charset="-127"/>
                 <a:ea typeface="빙그레 메로나체" panose="020B0503000000000000" pitchFamily="50" charset="-127"/>
               </a:rPr>
-              <a:t>21-01-27(Wed)</a:t>
+              <a:t>21-02-01(Mon)</a:t>
             </a:fld>
             <a:endParaRPr lang="ko-KR" altLang="en-US">
               <a:latin typeface="빙그레 메로나체" panose="020B0503000000000000" pitchFamily="50" charset="-127"/>
@@ -462,7 +467,7 @@
             <a:fld id="{4603488D-D3EA-41C9-A985-B1D359B38FE8}" type="datetimeFigureOut">
               <a:rPr lang="ko-KR" altLang="en-US" smtClean="0"/>
               <a:pPr/>
-              <a:t>21-01-27(Wed)</a:t>
+              <a:t>21-02-01(Mon)</a:t>
             </a:fld>
             <a:endParaRPr lang="ko-KR" altLang="en-US"/>
           </a:p>
@@ -5467,6 +5472,184 @@
 </p:notes>
 </file>
 
+<file path=ppt/notesSlides/notesSlide35.xml><?xml version="1.0" encoding="utf-8"?>
+<p:notes xmlns:a="http://schemas.openxmlformats.org/drawingml/2006/main" xmlns:r="http://schemas.openxmlformats.org/officeDocument/2006/relationships" xmlns:p="http://schemas.openxmlformats.org/presentationml/2006/main">
+  <p:cSld>
+    <p:spTree>
+      <p:nvGrpSpPr>
+        <p:cNvPr id="1" name=""/>
+        <p:cNvGrpSpPr/>
+        <p:nvPr/>
+      </p:nvGrpSpPr>
+      <p:grpSpPr>
+        <a:xfrm>
+          <a:off x="0" y="0"/>
+          <a:ext cx="0" cy="0"/>
+          <a:chOff x="0" y="0"/>
+          <a:chExt cx="0" cy="0"/>
+        </a:xfrm>
+      </p:grpSpPr>
+      <p:sp>
+        <p:nvSpPr>
+          <p:cNvPr id="2" name="슬라이드 이미지 개체 틀 1"/>
+          <p:cNvSpPr>
+            <a:spLocks noGrp="1" noRot="1" noChangeAspect="1"/>
+          </p:cNvSpPr>
+          <p:nvPr>
+            <p:ph type="sldImg"/>
+          </p:nvPr>
+        </p:nvSpPr>
+        <p:spPr/>
+      </p:sp>
+      <p:sp>
+        <p:nvSpPr>
+          <p:cNvPr id="3" name="슬라이드 노트 개체 틀 2"/>
+          <p:cNvSpPr>
+            <a:spLocks noGrp="1"/>
+          </p:cNvSpPr>
+          <p:nvPr>
+            <p:ph type="body" idx="1"/>
+          </p:nvPr>
+        </p:nvSpPr>
+        <p:spPr/>
+        <p:txBody>
+          <a:bodyPr/>
+          <a:lstStyle/>
+          <a:p>
+            <a:r>
+              <a:rPr lang="en-US" altLang="ko-KR" b="0" i="0">
+                <a:solidFill>
+                  <a:srgbClr val="FFFFFF"/>
+                </a:solidFill>
+                <a:effectLst/>
+                <a:latin typeface="Abadi" panose="020B0604020104020204" pitchFamily="34" charset="0"/>
+              </a:rPr>
+              <a:t>Facebook</a:t>
+            </a:r>
+            <a:r>
+              <a:rPr lang="ko-KR" altLang="en-US" b="0" i="0">
+                <a:solidFill>
+                  <a:srgbClr val="FFFFFF"/>
+                </a:solidFill>
+                <a:effectLst/>
+                <a:latin typeface="Abadi" panose="020B0604020104020204" pitchFamily="34" charset="0"/>
+              </a:rPr>
+              <a:t>의 공식 </a:t>
+            </a:r>
+            <a:r>
+              <a:rPr lang="en-US" altLang="ko-KR" b="0" i="0">
+                <a:solidFill>
+                  <a:srgbClr val="FFFFFF"/>
+                </a:solidFill>
+                <a:effectLst/>
+                <a:latin typeface="Abadi" panose="020B0604020104020204" pitchFamily="34" charset="0"/>
+              </a:rPr>
+              <a:t>React </a:t>
+            </a:r>
+            <a:r>
+              <a:rPr lang="ko-KR" altLang="en-US" b="0" i="0">
+                <a:solidFill>
+                  <a:srgbClr val="FFFFFF"/>
+                </a:solidFill>
+                <a:effectLst/>
+                <a:latin typeface="Abadi" panose="020B0604020104020204" pitchFamily="34" charset="0"/>
+              </a:rPr>
+              <a:t>웹 개발을위한 보일러 플레이트</a:t>
+            </a:r>
+            <a:endParaRPr lang="en-US" altLang="ko-KR" b="0" i="0">
+              <a:solidFill>
+                <a:srgbClr val="FFFFFF"/>
+              </a:solidFill>
+              <a:effectLst/>
+              <a:latin typeface="Abadi" panose="020B0604020104020204" pitchFamily="34" charset="0"/>
+            </a:endParaRPr>
+          </a:p>
+          <a:p>
+            <a:r>
+              <a:rPr lang="ko-KR" altLang="en-US" b="0" i="0">
+                <a:solidFill>
+                  <a:srgbClr val="222426"/>
+                </a:solidFill>
+                <a:effectLst/>
+                <a:latin typeface="Abadi" panose="020B0604020104020204" pitchFamily="34" charset="0"/>
+              </a:rPr>
+              <a:t>모든 개발환경을 설정하지 않아도 되고 페이스북이라는 거대한 기업에서 지속적으로 업데이트를 해주기에 많은 사람들이 사용</a:t>
+            </a:r>
+            <a:endParaRPr lang="en-US" altLang="ko-KR" b="0" i="0">
+              <a:solidFill>
+                <a:srgbClr val="222426"/>
+              </a:solidFill>
+              <a:effectLst/>
+              <a:latin typeface="Abadi" panose="020B0604020104020204" pitchFamily="34" charset="0"/>
+            </a:endParaRPr>
+          </a:p>
+          <a:p>
+            <a:endParaRPr lang="en-US" altLang="ko-KR" b="0" i="0">
+              <a:solidFill>
+                <a:srgbClr val="FFFFFF"/>
+              </a:solidFill>
+              <a:effectLst/>
+              <a:latin typeface="Abadi" panose="020B0604020104020204" pitchFamily="34" charset="0"/>
+            </a:endParaRPr>
+          </a:p>
+          <a:p>
+            <a:r>
+              <a:rPr lang="ko-KR" altLang="en-US" b="0" i="0">
+                <a:solidFill>
+                  <a:srgbClr val="222426"/>
+                </a:solidFill>
+                <a:effectLst/>
+              </a:rPr>
+              <a:t>보일러 플레이트 </a:t>
+            </a:r>
+            <a:r>
+              <a:rPr lang="en-US" altLang="ko-KR" b="0" i="0">
+                <a:solidFill>
+                  <a:srgbClr val="222426"/>
+                </a:solidFill>
+                <a:effectLst/>
+              </a:rPr>
+              <a:t>: </a:t>
+            </a:r>
+            <a:r>
+              <a:rPr lang="ko-KR" altLang="en-US" b="0" i="0">
+                <a:solidFill>
+                  <a:srgbClr val="222426"/>
+                </a:solidFill>
+                <a:effectLst/>
+              </a:rPr>
+              <a:t>변형이 거의 또는 전혀없이 여러 위치에서 반복되는 코드 섹션</a:t>
+            </a:r>
+            <a:endParaRPr lang="en-US" altLang="ko-KR" b="0" i="0">
+              <a:solidFill>
+                <a:srgbClr val="222426"/>
+              </a:solidFill>
+              <a:effectLst/>
+            </a:endParaRPr>
+          </a:p>
+          <a:p>
+            <a:endParaRPr lang="en-US" altLang="ko-KR" b="0" i="0">
+              <a:solidFill>
+                <a:srgbClr val="222426"/>
+              </a:solidFill>
+              <a:effectLst/>
+            </a:endParaRPr>
+          </a:p>
+        </p:txBody>
+      </p:sp>
+    </p:spTree>
+    <p:extLst>
+      <p:ext uri="{BB962C8B-B14F-4D97-AF65-F5344CB8AC3E}">
+        <p14:creationId xmlns:p14="http://schemas.microsoft.com/office/powerpoint/2010/main" val="2924714942"/>
+      </p:ext>
+    </p:extLst>
+  </p:cSld>
+  <p:clrMapOvr>
+    <a:masterClrMapping/>
+  </p:clrMapOvr>
+</p:notes>
+</file>
+
 <file path=ppt/notesSlides/notesSlide4.xml><?xml version="1.0" encoding="utf-8"?>
 <p:notes xmlns:a="http://schemas.openxmlformats.org/drawingml/2006/main" xmlns:r="http://schemas.openxmlformats.org/officeDocument/2006/relationships" xmlns:p="http://schemas.openxmlformats.org/presentationml/2006/main">
   <p:cSld>
@@ -6325,7 +6508,7 @@
           <a:p>
             <a:fld id="{7DC6197A-B81F-4CAF-8F9E-3C147E2873D6}" type="datetime1">
               <a:rPr lang="ko-KR" altLang="en-US" smtClean="0"/>
-              <a:t>21-01-27(Wed)</a:t>
+              <a:t>21-02-01(Mon)</a:t>
             </a:fld>
             <a:endParaRPr lang="ko-KR" altLang="en-US"/>
           </a:p>
@@ -6544,7 +6727,7 @@
           <a:p>
             <a:fld id="{2E9FEE90-94DC-4A70-8DB6-77140FDC4928}" type="datetime1">
               <a:rPr lang="ko-KR" altLang="en-US" smtClean="0"/>
-              <a:t>21-01-27(Wed)</a:t>
+              <a:t>21-02-01(Mon)</a:t>
             </a:fld>
             <a:endParaRPr lang="ko-KR" altLang="en-US"/>
           </a:p>
@@ -6752,7 +6935,7 @@
           <a:p>
             <a:fld id="{35B46D19-C2B4-4F76-8EC4-654FF4D1B867}" type="datetime1">
               <a:rPr lang="ko-KR" altLang="en-US" smtClean="0"/>
-              <a:t>21-01-27(Wed)</a:t>
+              <a:t>21-02-01(Mon)</a:t>
             </a:fld>
             <a:endParaRPr lang="ko-KR" altLang="en-US"/>
           </a:p>
@@ -6950,7 +7133,7 @@
           <a:p>
             <a:fld id="{C373018D-A7B2-4FBD-B6A9-55243D35BED3}" type="datetime1">
               <a:rPr lang="ko-KR" altLang="en-US" smtClean="0"/>
-              <a:t>21-01-27(Wed)</a:t>
+              <a:t>21-02-01(Mon)</a:t>
             </a:fld>
             <a:endParaRPr lang="ko-KR" altLang="en-US"/>
           </a:p>
@@ -7225,7 +7408,7 @@
           <a:p>
             <a:fld id="{4435D3D0-A066-4F71-AFF5-8B496FFE7BCA}" type="datetime1">
               <a:rPr lang="ko-KR" altLang="en-US" smtClean="0"/>
-              <a:t>21-01-27(Wed)</a:t>
+              <a:t>21-02-01(Mon)</a:t>
             </a:fld>
             <a:endParaRPr lang="ko-KR" altLang="en-US"/>
           </a:p>
@@ -7490,7 +7673,7 @@
           <a:p>
             <a:fld id="{365C1C25-AAFE-4B7A-972A-986C48C551DC}" type="datetime1">
               <a:rPr lang="ko-KR" altLang="en-US" smtClean="0"/>
-              <a:t>21-01-27(Wed)</a:t>
+              <a:t>21-02-01(Mon)</a:t>
             </a:fld>
             <a:endParaRPr lang="ko-KR" altLang="en-US"/>
           </a:p>
@@ -7902,7 +8085,7 @@
           <a:p>
             <a:fld id="{81CD69AD-8091-45FF-A7FD-D5E8A83B14A6}" type="datetime1">
               <a:rPr lang="ko-KR" altLang="en-US" smtClean="0"/>
-              <a:t>21-01-27(Wed)</a:t>
+              <a:t>21-02-01(Mon)</a:t>
             </a:fld>
             <a:endParaRPr lang="ko-KR" altLang="en-US"/>
           </a:p>
@@ -8043,7 +8226,7 @@
           <a:p>
             <a:fld id="{16E1BF7E-2A53-4D85-AD06-DBD10CF13045}" type="datetime1">
               <a:rPr lang="ko-KR" altLang="en-US" smtClean="0"/>
-              <a:t>21-01-27(Wed)</a:t>
+              <a:t>21-02-01(Mon)</a:t>
             </a:fld>
             <a:endParaRPr lang="ko-KR" altLang="en-US"/>
           </a:p>
@@ -8156,7 +8339,7 @@
           <a:p>
             <a:fld id="{D7EEE6D7-F07E-4CE2-AFD1-E0ADDB02E34F}" type="datetime1">
               <a:rPr lang="ko-KR" altLang="en-US" smtClean="0"/>
-              <a:t>21-01-27(Wed)</a:t>
+              <a:t>21-02-01(Mon)</a:t>
             </a:fld>
             <a:endParaRPr lang="ko-KR" altLang="en-US"/>
           </a:p>
@@ -8467,7 +8650,7 @@
           <a:p>
             <a:fld id="{022DB226-797E-4714-A363-EB143067361E}" type="datetime1">
               <a:rPr lang="ko-KR" altLang="en-US" smtClean="0"/>
-              <a:t>21-01-27(Wed)</a:t>
+              <a:t>21-02-01(Mon)</a:t>
             </a:fld>
             <a:endParaRPr lang="ko-KR" altLang="en-US"/>
           </a:p>
@@ -8755,7 +8938,7 @@
           <a:p>
             <a:fld id="{2946DBEB-5FFE-47E0-9C69-4E429AFA7594}" type="datetime1">
               <a:rPr lang="ko-KR" altLang="en-US" smtClean="0"/>
-              <a:t>21-01-27(Wed)</a:t>
+              <a:t>21-02-01(Mon)</a:t>
             </a:fld>
             <a:endParaRPr lang="ko-KR" altLang="en-US"/>
           </a:p>
@@ -9002,7 +9185,7 @@
             <a:fld id="{932790BA-7C09-43EA-8E7D-6E5A6153DBF0}" type="datetime1">
               <a:rPr lang="ko-KR" altLang="en-US" smtClean="0"/>
               <a:pPr/>
-              <a:t>21-01-27(Wed)</a:t>
+              <a:t>21-02-01(Mon)</a:t>
             </a:fld>
             <a:endParaRPr lang="ko-KR" altLang="en-US"/>
           </a:p>
@@ -34059,7 +34242,7 @@
                 <a:latin typeface="빙그레 메로나체" panose="020B0503000000000000" pitchFamily="50" charset="-127"/>
                 <a:ea typeface="빙그레 메로나체" panose="020B0503000000000000" pitchFamily="50" charset="-127"/>
               </a:rPr>
-              <a:t>Webpack</a:t>
+              <a:t>BABEL</a:t>
             </a:r>
           </a:p>
         </p:txBody>
@@ -34282,6 +34465,435 @@
           <a:chExt cx="0" cy="0"/>
         </a:xfrm>
       </p:grpSpPr>
+      <p:grpSp>
+        <p:nvGrpSpPr>
+          <p:cNvPr id="6" name="그룹 5">
+            <a:extLst>
+              <a:ext uri="{FF2B5EF4-FFF2-40B4-BE49-F238E27FC236}">
+                <a16:creationId xmlns:a16="http://schemas.microsoft.com/office/drawing/2014/main" id="{CA7BD838-D4FB-4EA7-B68C-FA7B6D147BA2}"/>
+              </a:ext>
+            </a:extLst>
+          </p:cNvPr>
+          <p:cNvGrpSpPr/>
+          <p:nvPr/>
+        </p:nvGrpSpPr>
+        <p:grpSpPr>
+          <a:xfrm>
+            <a:off x="159192" y="182880"/>
+            <a:ext cx="1852488" cy="854227"/>
+            <a:chOff x="640080" y="-971550"/>
+            <a:chExt cx="1660746" cy="765810"/>
+          </a:xfrm>
+        </p:grpSpPr>
+        <p:sp>
+          <p:nvSpPr>
+            <p:cNvPr id="18" name="TextBox 17">
+              <a:extLst>
+                <a:ext uri="{FF2B5EF4-FFF2-40B4-BE49-F238E27FC236}">
+                  <a16:creationId xmlns:a16="http://schemas.microsoft.com/office/drawing/2014/main" id="{D7B7EE40-BAD9-4569-9BF6-F6E9ACA78A3C}"/>
+                </a:ext>
+              </a:extLst>
+            </p:cNvPr>
+            <p:cNvSpPr txBox="1"/>
+            <p:nvPr/>
+          </p:nvSpPr>
+          <p:spPr>
+            <a:xfrm>
+              <a:off x="683325" y="-770703"/>
+              <a:ext cx="1576513" cy="358697"/>
+            </a:xfrm>
+            <a:prstGeom prst="rect">
+              <a:avLst/>
+            </a:prstGeom>
+            <a:noFill/>
+          </p:spPr>
+          <p:txBody>
+            <a:bodyPr wrap="square" rtlCol="0" anchor="ctr">
+              <a:spAutoFit/>
+            </a:bodyPr>
+            <a:lstStyle/>
+            <a:p>
+              <a:pPr algn="ctr"/>
+              <a:r>
+                <a:rPr lang="en-US" altLang="ko-KR" sz="2000">
+                  <a:ln>
+                    <a:solidFill>
+                      <a:schemeClr val="tx1">
+                        <a:alpha val="30000"/>
+                      </a:schemeClr>
+                    </a:solidFill>
+                  </a:ln>
+                  <a:latin typeface="빙그레 메로나체" panose="020B0503000000000000" pitchFamily="50" charset="-127"/>
+                  <a:ea typeface="빙그레 메로나체" panose="020B0503000000000000" pitchFamily="50" charset="-127"/>
+                </a:rPr>
+                <a:t>React</a:t>
+              </a:r>
+            </a:p>
+          </p:txBody>
+        </p:sp>
+        <p:sp>
+          <p:nvSpPr>
+            <p:cNvPr id="5" name="직사각형 4">
+              <a:extLst>
+                <a:ext uri="{FF2B5EF4-FFF2-40B4-BE49-F238E27FC236}">
+                  <a16:creationId xmlns:a16="http://schemas.microsoft.com/office/drawing/2014/main" id="{AB4C8245-D0E4-4D79-B3E9-2FB89CE6FE84}"/>
+                </a:ext>
+              </a:extLst>
+            </p:cNvPr>
+            <p:cNvSpPr/>
+            <p:nvPr/>
+          </p:nvSpPr>
+          <p:spPr>
+            <a:xfrm>
+              <a:off x="640080" y="-971550"/>
+              <a:ext cx="1660746" cy="765810"/>
+            </a:xfrm>
+            <a:prstGeom prst="rect">
+              <a:avLst/>
+            </a:prstGeom>
+            <a:noFill/>
+            <a:ln w="25400">
+              <a:solidFill>
+                <a:schemeClr val="tx1"/>
+              </a:solidFill>
+            </a:ln>
+          </p:spPr>
+          <p:style>
+            <a:lnRef idx="2">
+              <a:schemeClr val="accent1">
+                <a:shade val="50000"/>
+              </a:schemeClr>
+            </a:lnRef>
+            <a:fillRef idx="1">
+              <a:schemeClr val="accent1"/>
+            </a:fillRef>
+            <a:effectRef idx="0">
+              <a:schemeClr val="accent1"/>
+            </a:effectRef>
+            <a:fontRef idx="minor">
+              <a:schemeClr val="lt1"/>
+            </a:fontRef>
+          </p:style>
+          <p:txBody>
+            <a:bodyPr rtlCol="0" anchor="ctr"/>
+            <a:lstStyle/>
+            <a:p>
+              <a:pPr algn="ctr"/>
+              <a:endParaRPr lang="ko-KR" altLang="en-US">
+                <a:latin typeface="빙그레 메로나체" panose="020B0503000000000000" pitchFamily="50" charset="-127"/>
+                <a:ea typeface="빙그레 메로나체" panose="020B0503000000000000" pitchFamily="50" charset="-127"/>
+              </a:endParaRPr>
+            </a:p>
+          </p:txBody>
+        </p:sp>
+      </p:grpSp>
+      <p:sp>
+        <p:nvSpPr>
+          <p:cNvPr id="30" name="TextBox 29">
+            <a:extLst>
+              <a:ext uri="{FF2B5EF4-FFF2-40B4-BE49-F238E27FC236}">
+                <a16:creationId xmlns:a16="http://schemas.microsoft.com/office/drawing/2014/main" id="{706566D1-60CB-4C10-9859-0656D082B2B7}"/>
+              </a:ext>
+            </a:extLst>
+          </p:cNvPr>
+          <p:cNvSpPr txBox="1"/>
+          <p:nvPr/>
+        </p:nvSpPr>
+        <p:spPr>
+          <a:xfrm>
+            <a:off x="2497154" y="414543"/>
+            <a:ext cx="4132245" cy="369332"/>
+          </a:xfrm>
+          <a:prstGeom prst="rect">
+            <a:avLst/>
+          </a:prstGeom>
+          <a:noFill/>
+          <a:ln>
+            <a:noFill/>
+          </a:ln>
+        </p:spPr>
+        <p:txBody>
+          <a:bodyPr wrap="square" rtlCol="0">
+            <a:spAutoFit/>
+          </a:bodyPr>
+          <a:lstStyle/>
+          <a:p>
+            <a:r>
+              <a:rPr lang="en-US" altLang="ko-KR">
+                <a:ln>
+                  <a:solidFill>
+                    <a:schemeClr val="tx1">
+                      <a:alpha val="30000"/>
+                    </a:schemeClr>
+                  </a:solidFill>
+                </a:ln>
+                <a:latin typeface="빙그레 메로나체" panose="020B0503000000000000" pitchFamily="50" charset="-127"/>
+                <a:ea typeface="빙그레 메로나체" panose="020B0503000000000000" pitchFamily="50" charset="-127"/>
+              </a:rPr>
+              <a:t>create-react-app</a:t>
+            </a:r>
+          </a:p>
+        </p:txBody>
+      </p:sp>
+      <p:sp>
+        <p:nvSpPr>
+          <p:cNvPr id="10" name="슬라이드 번호 개체 틀 9">
+            <a:extLst>
+              <a:ext uri="{FF2B5EF4-FFF2-40B4-BE49-F238E27FC236}">
+                <a16:creationId xmlns:a16="http://schemas.microsoft.com/office/drawing/2014/main" id="{6F1C1DC9-3B79-47A0-95A5-B5A14A6B4906}"/>
+              </a:ext>
+            </a:extLst>
+          </p:cNvPr>
+          <p:cNvSpPr>
+            <a:spLocks noGrp="1"/>
+          </p:cNvSpPr>
+          <p:nvPr>
+            <p:ph type="sldNum" sz="quarter" idx="12"/>
+          </p:nvPr>
+        </p:nvSpPr>
+        <p:spPr/>
+        <p:txBody>
+          <a:bodyPr/>
+          <a:lstStyle/>
+          <a:p>
+            <a:pPr algn="ctr"/>
+            <a:fld id="{4AE1E1EF-90A0-4171-8CF9-B3BC5042A8FC}" type="slidenum">
+              <a:rPr lang="ko-KR" altLang="en-US" smtClean="0"/>
+              <a:pPr algn="ctr"/>
+              <a:t>37</a:t>
+            </a:fld>
+            <a:endParaRPr lang="ko-KR" altLang="en-US"/>
+          </a:p>
+        </p:txBody>
+      </p:sp>
+      <p:sp>
+        <p:nvSpPr>
+          <p:cNvPr id="15" name="TextBox 14">
+            <a:extLst>
+              <a:ext uri="{FF2B5EF4-FFF2-40B4-BE49-F238E27FC236}">
+                <a16:creationId xmlns:a16="http://schemas.microsoft.com/office/drawing/2014/main" id="{6B861D45-A875-4DB0-B2FF-051A4BAC2D3E}"/>
+              </a:ext>
+            </a:extLst>
+          </p:cNvPr>
+          <p:cNvSpPr txBox="1"/>
+          <p:nvPr/>
+        </p:nvSpPr>
+        <p:spPr>
+          <a:xfrm>
+            <a:off x="0" y="5595085"/>
+            <a:ext cx="12187985" cy="400110"/>
+          </a:xfrm>
+          <a:prstGeom prst="rect">
+            <a:avLst/>
+          </a:prstGeom>
+          <a:noFill/>
+          <a:ln>
+            <a:noFill/>
+          </a:ln>
+        </p:spPr>
+        <p:txBody>
+          <a:bodyPr wrap="square" rtlCol="0">
+            <a:spAutoFit/>
+          </a:bodyPr>
+          <a:lstStyle/>
+          <a:p>
+            <a:pPr algn="ctr"/>
+            <a:r>
+              <a:rPr lang="en-US" altLang="ko-KR" sz="2000">
+                <a:ln>
+                  <a:solidFill>
+                    <a:schemeClr val="tx1">
+                      <a:alpha val="30000"/>
+                    </a:schemeClr>
+                  </a:solidFill>
+                </a:ln>
+                <a:latin typeface="빙그레 메로나체" panose="020B0503000000000000" pitchFamily="50" charset="-127"/>
+                <a:ea typeface="빙그레 메로나체" panose="020B0503000000000000" pitchFamily="50" charset="-127"/>
+              </a:rPr>
+              <a:t>*Boilerplate for official React web development from Facebook</a:t>
+            </a:r>
+          </a:p>
+        </p:txBody>
+      </p:sp>
+      <p:sp>
+        <p:nvSpPr>
+          <p:cNvPr id="11" name="TextBox 10">
+            <a:extLst>
+              <a:ext uri="{FF2B5EF4-FFF2-40B4-BE49-F238E27FC236}">
+                <a16:creationId xmlns:a16="http://schemas.microsoft.com/office/drawing/2014/main" id="{11AA1287-2638-445F-A4A9-782B40FAFAEE}"/>
+              </a:ext>
+            </a:extLst>
+          </p:cNvPr>
+          <p:cNvSpPr txBox="1"/>
+          <p:nvPr/>
+        </p:nvSpPr>
+        <p:spPr>
+          <a:xfrm>
+            <a:off x="0" y="6562722"/>
+            <a:ext cx="7608858" cy="307777"/>
+          </a:xfrm>
+          <a:prstGeom prst="rect">
+            <a:avLst/>
+          </a:prstGeom>
+          <a:noFill/>
+        </p:spPr>
+        <p:txBody>
+          <a:bodyPr wrap="square" rtlCol="0">
+            <a:spAutoFit/>
+          </a:bodyPr>
+          <a:lstStyle/>
+          <a:p>
+            <a:r>
+              <a:rPr lang="en-US" altLang="ko-KR" sz="1400">
+                <a:ln>
+                  <a:solidFill>
+                    <a:schemeClr val="tx1">
+                      <a:alpha val="30000"/>
+                    </a:schemeClr>
+                  </a:solidFill>
+                </a:ln>
+                <a:solidFill>
+                  <a:schemeClr val="bg1">
+                    <a:lumMod val="65000"/>
+                  </a:schemeClr>
+                </a:solidFill>
+                <a:latin typeface="빙그레 메로나체" panose="020B0503000000000000" pitchFamily="50" charset="-127"/>
+                <a:ea typeface="빙그레 메로나체" panose="020B0503000000000000" pitchFamily="50" charset="-127"/>
+              </a:rPr>
+              <a:t>source : https://create-react-app.dev/</a:t>
+            </a:r>
+          </a:p>
+        </p:txBody>
+      </p:sp>
+      <p:pic>
+        <p:nvPicPr>
+          <p:cNvPr id="13" name="그림 12">
+            <a:extLst>
+              <a:ext uri="{FF2B5EF4-FFF2-40B4-BE49-F238E27FC236}">
+                <a16:creationId xmlns:a16="http://schemas.microsoft.com/office/drawing/2014/main" id="{C44C6D57-E3A8-4B14-8770-94157E2AD8ED}"/>
+              </a:ext>
+            </a:extLst>
+          </p:cNvPr>
+          <p:cNvPicPr>
+            <a:picLocks noChangeAspect="1"/>
+          </p:cNvPicPr>
+          <p:nvPr/>
+        </p:nvPicPr>
+        <p:blipFill>
+          <a:blip r:embed="rId3"/>
+          <a:stretch>
+            <a:fillRect/>
+          </a:stretch>
+        </p:blipFill>
+        <p:spPr>
+          <a:xfrm>
+            <a:off x="3932903" y="1312609"/>
+            <a:ext cx="4326194" cy="4055806"/>
+          </a:xfrm>
+          <a:prstGeom prst="rect">
+            <a:avLst/>
+          </a:prstGeom>
+        </p:spPr>
+      </p:pic>
+      <p:sp>
+        <p:nvSpPr>
+          <p:cNvPr id="19" name="TextBox 18">
+            <a:extLst>
+              <a:ext uri="{FF2B5EF4-FFF2-40B4-BE49-F238E27FC236}">
+                <a16:creationId xmlns:a16="http://schemas.microsoft.com/office/drawing/2014/main" id="{F446EAF5-475A-46DE-8E5A-ADF3BD34A385}"/>
+              </a:ext>
+            </a:extLst>
+          </p:cNvPr>
+          <p:cNvSpPr txBox="1"/>
+          <p:nvPr/>
+        </p:nvSpPr>
+        <p:spPr>
+          <a:xfrm>
+            <a:off x="582516" y="6127918"/>
+            <a:ext cx="10656712" cy="307777"/>
+          </a:xfrm>
+          <a:prstGeom prst="rect">
+            <a:avLst/>
+          </a:prstGeom>
+          <a:noFill/>
+        </p:spPr>
+        <p:txBody>
+          <a:bodyPr wrap="square">
+            <a:spAutoFit/>
+          </a:bodyPr>
+          <a:lstStyle/>
+          <a:p>
+            <a:r>
+              <a:rPr lang="en-US" altLang="ko-KR" sz="1400">
+                <a:ln>
+                  <a:solidFill>
+                    <a:schemeClr val="tx1">
+                      <a:alpha val="30000"/>
+                    </a:schemeClr>
+                  </a:solidFill>
+                </a:ln>
+                <a:latin typeface="빙그레 메로나체" panose="020B0503000000000000" pitchFamily="50" charset="-127"/>
+                <a:ea typeface="빙그레 메로나체" panose="020B0503000000000000" pitchFamily="50" charset="-127"/>
+              </a:rPr>
+              <a:t>* </a:t>
+            </a:r>
+            <a:r>
+              <a:rPr lang="en-US" altLang="ko-KR" sz="1400" b="1" i="0">
+                <a:solidFill>
+                  <a:srgbClr val="202122"/>
+                </a:solidFill>
+                <a:effectLst/>
+                <a:latin typeface="Arial" panose="020B0604020202020204" pitchFamily="34" charset="0"/>
+              </a:rPr>
+              <a:t>boilerplate </a:t>
+            </a:r>
+            <a:r>
+              <a:rPr lang="en-US" altLang="ko-KR" sz="1400">
+                <a:ln>
+                  <a:solidFill>
+                    <a:schemeClr val="tx1">
+                      <a:alpha val="30000"/>
+                    </a:schemeClr>
+                  </a:solidFill>
+                </a:ln>
+                <a:latin typeface="빙그레 메로나체" panose="020B0503000000000000" pitchFamily="50" charset="-127"/>
+                <a:ea typeface="빙그레 메로나체" panose="020B0503000000000000" pitchFamily="50" charset="-127"/>
+              </a:rPr>
+              <a:t>:  sections of code that are repeated in multiple places with little to no variation</a:t>
+            </a:r>
+          </a:p>
+        </p:txBody>
+      </p:sp>
+    </p:spTree>
+    <p:extLst>
+      <p:ext uri="{BB962C8B-B14F-4D97-AF65-F5344CB8AC3E}">
+        <p14:creationId xmlns:p14="http://schemas.microsoft.com/office/powerpoint/2010/main" val="3884482338"/>
+      </p:ext>
+    </p:extLst>
+  </p:cSld>
+  <p:clrMapOvr>
+    <a:masterClrMapping/>
+  </p:clrMapOvr>
+</p:sld>
+</file>
+
+<file path=ppt/slides/slide38.xml><?xml version="1.0" encoding="utf-8"?>
+<p:sld xmlns:a="http://schemas.openxmlformats.org/drawingml/2006/main" xmlns:r="http://schemas.openxmlformats.org/officeDocument/2006/relationships" xmlns:p="http://schemas.openxmlformats.org/presentationml/2006/main">
+  <p:cSld>
+    <p:spTree>
+      <p:nvGrpSpPr>
+        <p:cNvPr id="1" name=""/>
+        <p:cNvGrpSpPr/>
+        <p:nvPr/>
+      </p:nvGrpSpPr>
+      <p:grpSpPr>
+        <a:xfrm>
+          <a:off x="0" y="0"/>
+          <a:ext cx="0" cy="0"/>
+          <a:chOff x="0" y="0"/>
+          <a:chExt cx="0" cy="0"/>
+        </a:xfrm>
+      </p:grpSpPr>
       <p:sp>
         <p:nvSpPr>
           <p:cNvPr id="2" name="TextBox 1">
@@ -34349,7 +34961,7 @@
             <a:fld id="{4AE1E1EF-90A0-4171-8CF9-B3BC5042A8FC}" type="slidenum">
               <a:rPr lang="ko-KR" altLang="en-US" smtClean="0"/>
               <a:pPr algn="ctr"/>
-              <a:t>37</a:t>
+              <a:t>38</a:t>
             </a:fld>
             <a:endParaRPr lang="ko-KR" altLang="en-US"/>
           </a:p>

--- a/210113_React.pptx
+++ b/210113_React.pptx
@@ -5584,12 +5584,404 @@
             </a:endParaRPr>
           </a:p>
           <a:p>
+            <a:r>
+              <a:rPr lang="ko-KR" altLang="en-US" b="0" i="0">
+                <a:solidFill>
+                  <a:srgbClr val="303030"/>
+                </a:solidFill>
+                <a:effectLst/>
+                <a:latin typeface="Abadi" panose="020B0604020104020204" pitchFamily="34" charset="0"/>
+              </a:rPr>
+              <a:t>원래 리액트 앱 실행을 하기 위해선 </a:t>
+            </a:r>
+            <a:r>
+              <a:rPr lang="en-US" altLang="ko-KR" b="0" i="0">
+                <a:solidFill>
+                  <a:srgbClr val="303030"/>
+                </a:solidFill>
+                <a:effectLst/>
+                <a:latin typeface="Abadi" panose="020B0604020104020204" pitchFamily="34" charset="0"/>
+              </a:rPr>
+              <a:t>webpack(</a:t>
+            </a:r>
+            <a:r>
+              <a:rPr lang="ko-KR" altLang="en-US" b="0" i="0">
+                <a:solidFill>
+                  <a:srgbClr val="303030"/>
+                </a:solidFill>
+                <a:effectLst/>
+                <a:latin typeface="Abadi" panose="020B0604020104020204" pitchFamily="34" charset="0"/>
+              </a:rPr>
+              <a:t>번들화</a:t>
+            </a:r>
+            <a:r>
+              <a:rPr lang="en-US" altLang="ko-KR" b="0" i="0">
+                <a:solidFill>
+                  <a:srgbClr val="303030"/>
+                </a:solidFill>
+                <a:effectLst/>
+                <a:latin typeface="Abadi" panose="020B0604020104020204" pitchFamily="34" charset="0"/>
+              </a:rPr>
+              <a:t>), babel(</a:t>
+            </a:r>
+            <a:r>
+              <a:rPr lang="ko-KR" altLang="en-US" b="0" i="0">
+                <a:solidFill>
+                  <a:srgbClr val="303030"/>
+                </a:solidFill>
+                <a:effectLst/>
+                <a:latin typeface="Abadi" panose="020B0604020104020204" pitchFamily="34" charset="0"/>
+              </a:rPr>
+              <a:t>최신 자바스크립트 문법 지원</a:t>
+            </a:r>
+            <a:r>
+              <a:rPr lang="en-US" altLang="ko-KR" b="0" i="0">
+                <a:solidFill>
+                  <a:srgbClr val="303030"/>
+                </a:solidFill>
+                <a:effectLst/>
+                <a:latin typeface="Abadi" panose="020B0604020104020204" pitchFamily="34" charset="0"/>
+              </a:rPr>
+              <a:t>) </a:t>
+            </a:r>
+            <a:r>
+              <a:rPr lang="ko-KR" altLang="en-US" b="0" i="0">
+                <a:solidFill>
+                  <a:srgbClr val="303030"/>
+                </a:solidFill>
+                <a:effectLst/>
+                <a:latin typeface="Abadi" panose="020B0604020104020204" pitchFamily="34" charset="0"/>
+              </a:rPr>
+              <a:t>설정을 위한 시간이 많이 소요됨</a:t>
+            </a:r>
+            <a:r>
+              <a:rPr lang="en-US" altLang="ko-KR" b="0" i="0">
+                <a:solidFill>
+                  <a:srgbClr val="303030"/>
+                </a:solidFill>
+                <a:effectLst/>
+                <a:latin typeface="Abadi" panose="020B0604020104020204" pitchFamily="34" charset="0"/>
+              </a:rPr>
+              <a:t>.</a:t>
+            </a:r>
+          </a:p>
+          <a:p>
             <a:endParaRPr lang="en-US" altLang="ko-KR" b="0" i="0">
               <a:solidFill>
-                <a:srgbClr val="FFFFFF"/>
+                <a:srgbClr val="222426"/>
               </a:solidFill>
               <a:effectLst/>
-              <a:latin typeface="Abadi" panose="020B0604020104020204" pitchFamily="34" charset="0"/>
+            </a:endParaRPr>
+          </a:p>
+          <a:p>
+            <a:r>
+              <a:rPr lang="ko-KR" altLang="en-US" b="0" i="0">
+                <a:solidFill>
+                  <a:srgbClr val="222426"/>
+                </a:solidFill>
+                <a:effectLst/>
+              </a:rPr>
+              <a:t>포함</a:t>
+            </a:r>
+            <a:endParaRPr lang="en-US" altLang="ko-KR" b="0" i="0">
+              <a:solidFill>
+                <a:srgbClr val="222426"/>
+              </a:solidFill>
+              <a:effectLst/>
+            </a:endParaRPr>
+          </a:p>
+          <a:p>
+            <a:pPr algn="l" fontAlgn="base">
+              <a:buFont typeface="Arial" panose="020B0604020202020204" pitchFamily="34" charset="0"/>
+              <a:buChar char="•"/>
+            </a:pPr>
+            <a:r>
+              <a:rPr lang="en-US" altLang="ko-KR" b="0" i="0">
+                <a:solidFill>
+                  <a:srgbClr val="333333"/>
+                </a:solidFill>
+                <a:effectLst/>
+                <a:latin typeface="Times New Roman" panose="02020603050405020304" pitchFamily="18" charset="0"/>
+              </a:rPr>
+              <a:t>Webpack : minify, uglify </a:t>
+            </a:r>
+            <a:r>
+              <a:rPr lang="ko-KR" altLang="en-US" b="0" i="0">
+                <a:solidFill>
+                  <a:srgbClr val="333333"/>
+                </a:solidFill>
+                <a:effectLst/>
+                <a:latin typeface="Times New Roman" panose="02020603050405020304" pitchFamily="18" charset="0"/>
+              </a:rPr>
+              <a:t>등을 포함한 모듈 번들링 도구</a:t>
+            </a:r>
+          </a:p>
+          <a:p>
+            <a:pPr algn="l" fontAlgn="base">
+              <a:buFont typeface="Arial" panose="020B0604020202020204" pitchFamily="34" charset="0"/>
+              <a:buChar char="•"/>
+            </a:pPr>
+            <a:r>
+              <a:rPr lang="en-US" altLang="ko-KR" b="0" i="0">
+                <a:solidFill>
+                  <a:srgbClr val="333333"/>
+                </a:solidFill>
+                <a:effectLst/>
+                <a:latin typeface="Times New Roman" panose="02020603050405020304" pitchFamily="18" charset="0"/>
+              </a:rPr>
+              <a:t>Babel : ES6, React </a:t>
+            </a:r>
+            <a:r>
+              <a:rPr lang="ko-KR" altLang="en-US" b="0" i="0">
+                <a:solidFill>
+                  <a:srgbClr val="333333"/>
+                </a:solidFill>
+                <a:effectLst/>
+                <a:latin typeface="Times New Roman" panose="02020603050405020304" pitchFamily="18" charset="0"/>
+              </a:rPr>
+              <a:t>등의 문법을 </a:t>
+            </a:r>
+            <a:r>
+              <a:rPr lang="en-US" altLang="ko-KR" b="0" i="0">
+                <a:solidFill>
+                  <a:srgbClr val="333333"/>
+                </a:solidFill>
+                <a:effectLst/>
+                <a:latin typeface="Times New Roman" panose="02020603050405020304" pitchFamily="18" charset="0"/>
+              </a:rPr>
+              <a:t>ES5 </a:t>
+            </a:r>
+            <a:r>
+              <a:rPr lang="ko-KR" altLang="en-US" b="0" i="0">
+                <a:solidFill>
+                  <a:srgbClr val="333333"/>
+                </a:solidFill>
+                <a:effectLst/>
+                <a:latin typeface="Times New Roman" panose="02020603050405020304" pitchFamily="18" charset="0"/>
+              </a:rPr>
+              <a:t>코드로 변환시켜주는 트랜스파일러</a:t>
+            </a:r>
+          </a:p>
+          <a:p>
+            <a:pPr algn="l" fontAlgn="base">
+              <a:buFont typeface="Arial" panose="020B0604020202020204" pitchFamily="34" charset="0"/>
+              <a:buChar char="•"/>
+            </a:pPr>
+            <a:r>
+              <a:rPr lang="en-US" altLang="ko-KR" b="0" i="0">
+                <a:solidFill>
+                  <a:srgbClr val="333333"/>
+                </a:solidFill>
+                <a:effectLst/>
+                <a:latin typeface="Times New Roman" panose="02020603050405020304" pitchFamily="18" charset="0"/>
+              </a:rPr>
+              <a:t>Autoprefixer : </a:t>
+            </a:r>
+            <a:r>
+              <a:rPr lang="ko-KR" altLang="en-US" b="0" i="0">
+                <a:solidFill>
+                  <a:srgbClr val="333333"/>
+                </a:solidFill>
+                <a:effectLst/>
+                <a:latin typeface="Times New Roman" panose="02020603050405020304" pitchFamily="18" charset="0"/>
+              </a:rPr>
+              <a:t>다양한 벤더</a:t>
+            </a:r>
+            <a:r>
+              <a:rPr lang="en-US" altLang="ko-KR" b="0" i="0">
+                <a:solidFill>
+                  <a:srgbClr val="333333"/>
+                </a:solidFill>
+                <a:effectLst/>
+                <a:latin typeface="Times New Roman" panose="02020603050405020304" pitchFamily="18" charset="0"/>
+              </a:rPr>
+              <a:t>(</a:t>
+            </a:r>
+            <a:r>
+              <a:rPr lang="ko-KR" altLang="en-US" b="0" i="0">
+                <a:solidFill>
+                  <a:srgbClr val="333333"/>
+                </a:solidFill>
+                <a:effectLst/>
+                <a:latin typeface="Times New Roman" panose="02020603050405020304" pitchFamily="18" charset="0"/>
+              </a:rPr>
+              <a:t>브라우저</a:t>
+            </a:r>
+            <a:r>
+              <a:rPr lang="en-US" altLang="ko-KR" b="0" i="0">
+                <a:solidFill>
+                  <a:srgbClr val="333333"/>
+                </a:solidFill>
+                <a:effectLst/>
+                <a:latin typeface="Times New Roman" panose="02020603050405020304" pitchFamily="18" charset="0"/>
+              </a:rPr>
+              <a:t>)</a:t>
+            </a:r>
+            <a:r>
+              <a:rPr lang="ko-KR" altLang="en-US" b="0" i="0">
+                <a:solidFill>
+                  <a:srgbClr val="333333"/>
+                </a:solidFill>
+                <a:effectLst/>
+                <a:latin typeface="Times New Roman" panose="02020603050405020304" pitchFamily="18" charset="0"/>
+              </a:rPr>
+              <a:t>들에게 적절한 </a:t>
+            </a:r>
+            <a:r>
+              <a:rPr lang="en-US" altLang="ko-KR" b="0" i="0">
+                <a:solidFill>
+                  <a:srgbClr val="333333"/>
+                </a:solidFill>
+                <a:effectLst/>
+                <a:latin typeface="Times New Roman" panose="02020603050405020304" pitchFamily="18" charset="0"/>
+              </a:rPr>
+              <a:t>CSS </a:t>
+            </a:r>
+            <a:r>
+              <a:rPr lang="ko-KR" altLang="en-US" b="0" i="0">
+                <a:solidFill>
+                  <a:srgbClr val="333333"/>
+                </a:solidFill>
+                <a:effectLst/>
+                <a:latin typeface="Times New Roman" panose="02020603050405020304" pitchFamily="18" charset="0"/>
+              </a:rPr>
+              <a:t>가 적용될 수 있도록 </a:t>
+            </a:r>
+            <a:r>
+              <a:rPr lang="en-US" altLang="ko-KR" b="0" i="0">
+                <a:solidFill>
+                  <a:srgbClr val="333333"/>
+                </a:solidFill>
+                <a:effectLst/>
+                <a:latin typeface="Times New Roman" panose="02020603050405020304" pitchFamily="18" charset="0"/>
+              </a:rPr>
+              <a:t>prefix </a:t>
+            </a:r>
+            <a:r>
+              <a:rPr lang="ko-KR" altLang="en-US" b="0" i="0">
+                <a:solidFill>
+                  <a:srgbClr val="333333"/>
+                </a:solidFill>
+                <a:effectLst/>
+                <a:latin typeface="Times New Roman" panose="02020603050405020304" pitchFamily="18" charset="0"/>
+              </a:rPr>
+              <a:t>를 붙여준다</a:t>
+            </a:r>
+            <a:r>
+              <a:rPr lang="en-US" altLang="ko-KR" b="0" i="0">
+                <a:solidFill>
+                  <a:srgbClr val="333333"/>
+                </a:solidFill>
+                <a:effectLst/>
+                <a:latin typeface="Times New Roman" panose="02020603050405020304" pitchFamily="18" charset="0"/>
+              </a:rPr>
+              <a:t>.</a:t>
+            </a:r>
+          </a:p>
+          <a:p>
+            <a:pPr algn="l" fontAlgn="base">
+              <a:buFont typeface="Arial" panose="020B0604020202020204" pitchFamily="34" charset="0"/>
+              <a:buChar char="•"/>
+            </a:pPr>
+            <a:r>
+              <a:rPr lang="en-US" altLang="ko-KR" b="0" i="0">
+                <a:solidFill>
+                  <a:srgbClr val="333333"/>
+                </a:solidFill>
+                <a:effectLst/>
+                <a:latin typeface="Times New Roman" panose="02020603050405020304" pitchFamily="18" charset="0"/>
+              </a:rPr>
+              <a:t>ESLint : </a:t>
+            </a:r>
+            <a:r>
+              <a:rPr lang="ko-KR" altLang="en-US" b="0" i="0">
+                <a:solidFill>
+                  <a:srgbClr val="333333"/>
+                </a:solidFill>
+                <a:effectLst/>
+                <a:latin typeface="Times New Roman" panose="02020603050405020304" pitchFamily="18" charset="0"/>
+              </a:rPr>
+              <a:t>자바스크립트 </a:t>
+            </a:r>
+            <a:r>
+              <a:rPr lang="en-US" altLang="ko-KR" b="0" i="0">
+                <a:solidFill>
+                  <a:srgbClr val="333333"/>
+                </a:solidFill>
+                <a:effectLst/>
+                <a:latin typeface="Times New Roman" panose="02020603050405020304" pitchFamily="18" charset="0"/>
+              </a:rPr>
+              <a:t>lint, </a:t>
+            </a:r>
+            <a:r>
+              <a:rPr lang="ko-KR" altLang="en-US" b="0" i="0">
+                <a:solidFill>
+                  <a:srgbClr val="333333"/>
+                </a:solidFill>
+                <a:effectLst/>
+                <a:latin typeface="Times New Roman" panose="02020603050405020304" pitchFamily="18" charset="0"/>
+              </a:rPr>
+              <a:t>코드 컨벤션과 오류 등을 잡아준다</a:t>
+            </a:r>
+            <a:r>
+              <a:rPr lang="en-US" altLang="ko-KR" b="0" i="0">
+                <a:solidFill>
+                  <a:srgbClr val="333333"/>
+                </a:solidFill>
+                <a:effectLst/>
+                <a:latin typeface="Times New Roman" panose="02020603050405020304" pitchFamily="18" charset="0"/>
+              </a:rPr>
+              <a:t>.</a:t>
+            </a:r>
+          </a:p>
+          <a:p>
+            <a:pPr algn="l" fontAlgn="base">
+              <a:buFont typeface="Arial" panose="020B0604020202020204" pitchFamily="34" charset="0"/>
+              <a:buChar char="•"/>
+            </a:pPr>
+            <a:r>
+              <a:rPr lang="en-US" altLang="ko-KR" b="0" i="0">
+                <a:solidFill>
+                  <a:srgbClr val="333333"/>
+                </a:solidFill>
+                <a:effectLst/>
+                <a:latin typeface="Times New Roman" panose="02020603050405020304" pitchFamily="18" charset="0"/>
+              </a:rPr>
+              <a:t>Jest : </a:t>
+            </a:r>
+            <a:r>
+              <a:rPr lang="ko-KR" altLang="en-US" b="0" i="0">
+                <a:solidFill>
+                  <a:srgbClr val="333333"/>
+                </a:solidFill>
+                <a:effectLst/>
+                <a:latin typeface="Times New Roman" panose="02020603050405020304" pitchFamily="18" charset="0"/>
+              </a:rPr>
+              <a:t>자바스크립트 테스트 도구</a:t>
+            </a:r>
+          </a:p>
+          <a:p>
+            <a:pPr algn="l" fontAlgn="base">
+              <a:buFont typeface="Arial" panose="020B0604020202020204" pitchFamily="34" charset="0"/>
+              <a:buChar char="•"/>
+            </a:pPr>
+            <a:r>
+              <a:rPr lang="ko-KR" altLang="en-US" b="0" i="0">
+                <a:solidFill>
+                  <a:srgbClr val="333333"/>
+                </a:solidFill>
+                <a:effectLst/>
+                <a:latin typeface="Times New Roman" panose="02020603050405020304" pitchFamily="18" charset="0"/>
+              </a:rPr>
+              <a:t>이외에 여러개</a:t>
+            </a:r>
+          </a:p>
+          <a:p>
+            <a:endParaRPr lang="en-US" altLang="ko-KR" b="0" i="0">
+              <a:solidFill>
+                <a:srgbClr val="222426"/>
+              </a:solidFill>
+              <a:effectLst/>
             </a:endParaRPr>
           </a:p>
           <a:p>
